--- a/ch02/通信架构图示.pptx
+++ b/ch02/通信架构图示.pptx
@@ -2960,7 +2960,7 @@
       <p:grpSpPr/>
       <p:pic>
         <p:nvPicPr>
-          <p:cNvPr id="4" name="内容占位符 3" descr="微信-服务器通信架构2"/>
+          <p:cNvPr id="3" name="内容占位符 2" descr="微信-服务器通信架构2"/>
           <p:cNvPicPr>
             <a:picLocks noChangeAspect="1"/>
           </p:cNvPicPr>
@@ -2976,8 +2976,8 @@
         </p:blipFill>
         <p:spPr>
           <a:xfrm>
-            <a:off x="1308100" y="20955"/>
-            <a:ext cx="9575800" cy="6773545"/>
+            <a:off x="1339215" y="22860"/>
+            <a:ext cx="9513570" cy="6729730"/>
           </a:xfrm>
           <a:prstGeom prst="rect">
             <a:avLst/>
@@ -3004,7 +3004,7 @@
       <p:grpSpPr/>
       <p:pic>
         <p:nvPicPr>
-          <p:cNvPr id="4" name="内容占位符 3" descr="微信-服务器通信架构"/>
+          <p:cNvPr id="6" name="内容占位符 5" descr="微信-服务器通信架构"/>
           <p:cNvPicPr>
             <a:picLocks noChangeAspect="1"/>
           </p:cNvPicPr>
@@ -3020,8 +3020,8 @@
         </p:blipFill>
         <p:spPr>
           <a:xfrm>
-            <a:off x="1316355" y="16510"/>
-            <a:ext cx="9559290" cy="6761480"/>
+            <a:off x="1280795" y="15240"/>
+            <a:ext cx="9629775" cy="6811010"/>
           </a:xfrm>
           <a:prstGeom prst="rect">
             <a:avLst/>

--- a/ch02/通信架构图示.pptx
+++ b/ch02/通信架构图示.pptx
@@ -2976,8 +2976,8 @@
         </p:blipFill>
         <p:spPr>
           <a:xfrm>
-            <a:off x="1339215" y="22860"/>
-            <a:ext cx="9513570" cy="6729730"/>
+            <a:off x="1021080" y="22860"/>
+            <a:ext cx="10017125" cy="6729730"/>
           </a:xfrm>
           <a:prstGeom prst="rect">
             <a:avLst/>
@@ -3020,8 +3020,8 @@
         </p:blipFill>
         <p:spPr>
           <a:xfrm>
-            <a:off x="1280795" y="15240"/>
-            <a:ext cx="9629775" cy="6811010"/>
+            <a:off x="1209675" y="15240"/>
+            <a:ext cx="9798050" cy="6811010"/>
           </a:xfrm>
           <a:prstGeom prst="rect">
             <a:avLst/>

--- a/ch02/通信架构图示.pptx
+++ b/ch02/通信架构图示.pptx
@@ -6,8 +6,8 @@
   </p:sldMasterIdLst>
   <p:sldIdLst>
     <p:sldId id="256" r:id="rId3"/>
-    <p:sldId id="258" r:id="rId4"/>
-    <p:sldId id="257" r:id="rId5"/>
+    <p:sldId id="257" r:id="rId4"/>
+    <p:sldId id="258" r:id="rId5"/>
   </p:sldIdLst>
   <p:sldSz cx="12192000" cy="6858000"/>
   <p:notesSz cx="6858000" cy="9144000"/>
@@ -2960,7 +2960,7 @@
       <p:grpSpPr/>
       <p:pic>
         <p:nvPicPr>
-          <p:cNvPr id="3" name="内容占位符 2" descr="微信-服务器通信架构2"/>
+          <p:cNvPr id="6" name="内容占位符 5" descr="微信-服务器通信架构"/>
           <p:cNvPicPr>
             <a:picLocks noChangeAspect="1"/>
           </p:cNvPicPr>
@@ -2976,8 +2976,8 @@
         </p:blipFill>
         <p:spPr>
           <a:xfrm>
-            <a:off x="1021080" y="22860"/>
-            <a:ext cx="10017125" cy="6729730"/>
+            <a:off x="1209675" y="15240"/>
+            <a:ext cx="9798050" cy="6811010"/>
           </a:xfrm>
           <a:prstGeom prst="rect">
             <a:avLst/>
@@ -3004,7 +3004,7 @@
       <p:grpSpPr/>
       <p:pic>
         <p:nvPicPr>
-          <p:cNvPr id="6" name="内容占位符 5" descr="微信-服务器通信架构"/>
+          <p:cNvPr id="3" name="内容占位符 2" descr="微信-服务器通信架构2"/>
           <p:cNvPicPr>
             <a:picLocks noChangeAspect="1"/>
           </p:cNvPicPr>
@@ -3020,8 +3020,8 @@
         </p:blipFill>
         <p:spPr>
           <a:xfrm>
-            <a:off x="1209675" y="15240"/>
-            <a:ext cx="9798050" cy="6811010"/>
+            <a:off x="1021080" y="22860"/>
+            <a:ext cx="10017125" cy="6729730"/>
           </a:xfrm>
           <a:prstGeom prst="rect">
             <a:avLst/>

--- a/ch02/通信架构图示.pptx
+++ b/ch02/通信架构图示.pptx
@@ -8,6 +8,7 @@
     <p:sldId id="256" r:id="rId3"/>
     <p:sldId id="257" r:id="rId4"/>
     <p:sldId id="258" r:id="rId5"/>
+    <p:sldId id="261" r:id="rId6"/>
   </p:sldIdLst>
   <p:sldSz cx="12192000" cy="6858000"/>
   <p:notesSz cx="6858000" cy="9144000"/>
@@ -3036,6 +3037,112 @@
 </p:sld>
 </file>
 
+<file path=ppt/slides/slide4.xml><?xml version="1.0" encoding="utf-8"?>
+<p:sld xmlns:a="http://schemas.openxmlformats.org/drawingml/2006/main" xmlns:r="http://schemas.openxmlformats.org/officeDocument/2006/relationships" xmlns:p="http://schemas.openxmlformats.org/presentationml/2006/main">
+  <p:cSld>
+    <p:spTree>
+      <p:nvGrpSpPr>
+        <p:cNvPr id="1" name=""/>
+        <p:cNvGrpSpPr/>
+        <p:nvPr/>
+      </p:nvGrpSpPr>
+      <p:grpSpPr/>
+      <p:sp>
+        <p:nvSpPr>
+          <p:cNvPr id="2" name="标题 1"/>
+          <p:cNvSpPr>
+            <a:spLocks noGrp="1"/>
+          </p:cNvSpPr>
+          <p:nvPr>
+            <p:ph type="title"/>
+          </p:nvPr>
+        </p:nvSpPr>
+        <p:spPr>
+          <a:xfrm>
+            <a:off x="838200" y="365125"/>
+            <a:ext cx="10515600" cy="749300"/>
+          </a:xfrm>
+        </p:spPr>
+        <p:txBody>
+          <a:bodyPr/>
+          <a:p>
+            <a:r>
+              <a:rPr lang="zh-CN" altLang="en-US" sz="3600"/>
+              <a:t>测试号查看效果</a:t>
+            </a:r>
+            <a:endParaRPr lang="zh-CN" altLang="en-US" sz="3600"/>
+          </a:p>
+        </p:txBody>
+      </p:sp>
+      <p:sp>
+        <p:nvSpPr>
+          <p:cNvPr id="3" name="内容占位符 2"/>
+          <p:cNvSpPr>
+            <a:spLocks noGrp="1"/>
+          </p:cNvSpPr>
+          <p:nvPr>
+            <p:ph idx="1"/>
+          </p:nvPr>
+        </p:nvSpPr>
+        <p:spPr>
+          <a:xfrm>
+            <a:off x="838200" y="1114425"/>
+            <a:ext cx="10515600" cy="5062855"/>
+          </a:xfrm>
+        </p:spPr>
+        <p:txBody>
+          <a:bodyPr/>
+          <a:p>
+            <a:r>
+              <a:rPr lang="zh-CN" altLang="en-US"/>
+              <a:t>扫码关注测试号查看效果。</a:t>
+            </a:r>
+            <a:endParaRPr lang="zh-CN" altLang="en-US"/>
+          </a:p>
+          <a:p>
+            <a:endParaRPr lang="zh-CN" altLang="en-US"/>
+          </a:p>
+          <a:p>
+            <a:r>
+              <a:rPr lang="zh-CN" altLang="en-US"/>
+              <a:t>可随意输入一些信息，图片等，查看返回结果。</a:t>
+            </a:r>
+            <a:endParaRPr lang="zh-CN" altLang="en-US"/>
+          </a:p>
+        </p:txBody>
+      </p:sp>
+      <p:pic>
+        <p:nvPicPr>
+          <p:cNvPr id="4" name="图片 3" descr="ceshihao"/>
+          <p:cNvPicPr>
+            <a:picLocks noChangeAspect="1"/>
+          </p:cNvPicPr>
+          <p:nvPr/>
+        </p:nvPicPr>
+        <p:blipFill>
+          <a:blip r:embed="rId1"/>
+          <a:stretch>
+            <a:fillRect/>
+          </a:stretch>
+        </p:blipFill>
+        <p:spPr>
+          <a:xfrm>
+            <a:off x="7778750" y="2663825"/>
+            <a:ext cx="3795395" cy="3445510"/>
+          </a:xfrm>
+          <a:prstGeom prst="rect">
+            <a:avLst/>
+          </a:prstGeom>
+        </p:spPr>
+      </p:pic>
+    </p:spTree>
+  </p:cSld>
+  <p:clrMapOvr>
+    <a:masterClrMapping/>
+  </p:clrMapOvr>
+</p:sld>
+</file>
+
 <file path=ppt/theme/theme1.xml><?xml version="1.0" encoding="utf-8"?>
 <a:theme xmlns:a="http://schemas.openxmlformats.org/drawingml/2006/main" name="Office 主题">
   <a:themeElements>
